--- a/dokumentacija/ISS_Tema_6.pptx
+++ b/dokumentacija/ISS_Tema_6.pptx
@@ -3380,15 +3380,27 @@
           <a:lstStyle/>
           <a:p>
             <a:r>
-              <a:rPr lang="hr-HR" sz="4400" b="1" dirty="0"/>
+              <a:rPr lang="hr-HR" sz="4400" b="1" dirty="0">
+                <a:solidFill>
+                  <a:srgbClr val="0070C0"/>
+                </a:solidFill>
+              </a:rPr>
               <a:t>Razvoj i testiranje kognitivne igre s dualnim zadatkom – praćenje središta kružnice u pokretu i </a:t>
             </a:r>
             <a:r>
-              <a:rPr lang="hr-HR" sz="4400" b="1" i="1" dirty="0"/>
+              <a:rPr lang="hr-HR" sz="4400" b="1" i="1" dirty="0">
+                <a:solidFill>
+                  <a:srgbClr val="0070C0"/>
+                </a:solidFill>
+              </a:rPr>
               <a:t>N-back</a:t>
             </a:r>
             <a:r>
-              <a:rPr lang="hr-HR" sz="4400" b="1" dirty="0"/>
+              <a:rPr lang="hr-HR" sz="4400" b="1" dirty="0">
+                <a:solidFill>
+                  <a:srgbClr val="0070C0"/>
+                </a:solidFill>
+              </a:rPr>
               <a:t> test</a:t>
             </a:r>
           </a:p>
@@ -3477,7 +3489,11 @@
           <a:lstStyle/>
           <a:p>
             <a:r>
-              <a:rPr lang="hr-HR" b="1" dirty="0"/>
+              <a:rPr lang="hr-HR" b="1" dirty="0">
+                <a:solidFill>
+                  <a:srgbClr val="0070C0"/>
+                </a:solidFill>
+              </a:rPr>
               <a:t>N-back (rezultati)</a:t>
             </a:r>
           </a:p>
@@ -3581,7 +3597,11 @@
           <a:lstStyle/>
           <a:p>
             <a:r>
-              <a:rPr lang="hr-HR" b="1" dirty="0"/>
+              <a:rPr lang="hr-HR" b="1" dirty="0">
+                <a:solidFill>
+                  <a:srgbClr val="0070C0"/>
+                </a:solidFill>
+              </a:rPr>
               <a:t>Kognitivna igra</a:t>
             </a:r>
           </a:p>
@@ -3707,7 +3727,11 @@
           <a:lstStyle/>
           <a:p>
             <a:r>
-              <a:rPr lang="hr-HR" b="1" dirty="0"/>
+              <a:rPr lang="hr-HR" b="1" dirty="0">
+                <a:solidFill>
+                  <a:srgbClr val="0070C0"/>
+                </a:solidFill>
+              </a:rPr>
               <a:t>Zajednički parametri</a:t>
             </a:r>
           </a:p>
@@ -3897,7 +3921,11 @@
           <a:lstStyle/>
           <a:p>
             <a:r>
-              <a:rPr lang="hr-HR" b="1" dirty="0"/>
+              <a:rPr lang="hr-HR" b="1" dirty="0">
+                <a:solidFill>
+                  <a:srgbClr val="0070C0"/>
+                </a:solidFill>
+              </a:rPr>
               <a:t>N-back test</a:t>
             </a:r>
           </a:p>
@@ -4088,7 +4116,11 @@
           <a:lstStyle/>
           <a:p>
             <a:r>
-              <a:rPr lang="hr-HR" b="1" dirty="0"/>
+              <a:rPr lang="hr-HR" b="1" dirty="0">
+                <a:solidFill>
+                  <a:srgbClr val="0070C0"/>
+                </a:solidFill>
+              </a:rPr>
               <a:t>N-back test (parametri)</a:t>
             </a:r>
           </a:p>
@@ -4142,10 +4174,10 @@
       </p:sp>
       <p:pic>
         <p:nvPicPr>
-          <p:cNvPr id="5" name="Picture 4">
-            <a:extLst>
-              <a:ext uri="{FF2B5EF4-FFF2-40B4-BE49-F238E27FC236}">
-                <a16:creationId xmlns:a16="http://schemas.microsoft.com/office/drawing/2014/main" id="{5C53F0D4-E6EB-4CDA-9944-822C2538B843}"/>
+          <p:cNvPr id="6" name="Picture 5">
+            <a:extLst>
+              <a:ext uri="{FF2B5EF4-FFF2-40B4-BE49-F238E27FC236}">
+                <a16:creationId xmlns:a16="http://schemas.microsoft.com/office/drawing/2014/main" id="{F2849E9D-0005-4492-ADD7-90EE72F30857}"/>
               </a:ext>
             </a:extLst>
           </p:cNvPr>
@@ -4168,8 +4200,8 @@
         </p:blipFill>
         <p:spPr>
           <a:xfrm>
-            <a:off x="910141" y="3429000"/>
-            <a:ext cx="3391272" cy="2747963"/>
+            <a:off x="910140" y="3573624"/>
+            <a:ext cx="3437925" cy="2738276"/>
           </a:xfrm>
           <a:prstGeom prst="rect">
             <a:avLst/>
@@ -4178,10 +4210,10 @@
       </p:pic>
       <p:pic>
         <p:nvPicPr>
-          <p:cNvPr id="7" name="Picture 6">
-            <a:extLst>
-              <a:ext uri="{FF2B5EF4-FFF2-40B4-BE49-F238E27FC236}">
-                <a16:creationId xmlns:a16="http://schemas.microsoft.com/office/drawing/2014/main" id="{2F955EC5-2C5B-48EA-95C5-E1FAE1503D6A}"/>
+          <p:cNvPr id="10" name="Picture 9">
+            <a:extLst>
+              <a:ext uri="{FF2B5EF4-FFF2-40B4-BE49-F238E27FC236}">
+                <a16:creationId xmlns:a16="http://schemas.microsoft.com/office/drawing/2014/main" id="{3BA8C8ED-6413-413D-BE9F-0D21CD574D43}"/>
               </a:ext>
             </a:extLst>
           </p:cNvPr>
@@ -4204,8 +4236,8 @@
         </p:blipFill>
         <p:spPr>
           <a:xfrm>
-            <a:off x="4674727" y="3428999"/>
-            <a:ext cx="3452238" cy="2747963"/>
+            <a:off x="4757773" y="3573624"/>
+            <a:ext cx="3453166" cy="2738276"/>
           </a:xfrm>
           <a:prstGeom prst="rect">
             <a:avLst/>
@@ -4214,10 +4246,10 @@
       </p:pic>
       <p:pic>
         <p:nvPicPr>
-          <p:cNvPr id="9" name="Picture 8">
-            <a:extLst>
-              <a:ext uri="{FF2B5EF4-FFF2-40B4-BE49-F238E27FC236}">
-                <a16:creationId xmlns:a16="http://schemas.microsoft.com/office/drawing/2014/main" id="{143080FA-0A0A-41BD-8C8A-43A72135E9AD}"/>
+          <p:cNvPr id="12" name="Picture 11">
+            <a:extLst>
+              <a:ext uri="{FF2B5EF4-FFF2-40B4-BE49-F238E27FC236}">
+                <a16:creationId xmlns:a16="http://schemas.microsoft.com/office/drawing/2014/main" id="{206AFC7A-152C-45E8-A9D0-7C123B80CC9C}"/>
               </a:ext>
             </a:extLst>
           </p:cNvPr>
@@ -4240,8 +4272,8 @@
         </p:blipFill>
         <p:spPr>
           <a:xfrm>
-            <a:off x="8500279" y="3428999"/>
-            <a:ext cx="3429376" cy="2747963"/>
+            <a:off x="8540090" y="3573624"/>
+            <a:ext cx="3468407" cy="2738276"/>
           </a:xfrm>
           <a:prstGeom prst="rect">
             <a:avLst/>
@@ -4305,15 +4337,15 @@
       </p:sp>
       <p:pic>
         <p:nvPicPr>
-          <p:cNvPr id="4" name="Content Placeholder 3">
-            <a:extLst>
-              <a:ext uri="{FF2B5EF4-FFF2-40B4-BE49-F238E27FC236}">
-                <a16:creationId xmlns:a16="http://schemas.microsoft.com/office/drawing/2014/main" id="{1A1E1FF6-58AE-4A4F-A2FD-3B3C6FE67A52}"/>
+          <p:cNvPr id="7" name="Content Placeholder 6">
+            <a:extLst>
+              <a:ext uri="{FF2B5EF4-FFF2-40B4-BE49-F238E27FC236}">
+                <a16:creationId xmlns:a16="http://schemas.microsoft.com/office/drawing/2014/main" id="{5CA540B8-987F-497B-91B5-CE14EAD0E2A0}"/>
               </a:ext>
             </a:extLst>
           </p:cNvPr>
           <p:cNvPicPr>
-            <a:picLocks noGrp="1"/>
+            <a:picLocks noGrp="1" noChangeAspect="1"/>
           </p:cNvPicPr>
           <p:nvPr>
             <p:ph idx="1"/>
@@ -4327,23 +4359,15 @@
               </a:ext>
             </a:extLst>
           </a:blip>
-          <a:srcRect/>
           <a:stretch>
             <a:fillRect/>
           </a:stretch>
         </p:blipFill>
-        <p:spPr bwMode="auto">
+        <p:spPr>
           <a:xfrm>
             <a:off x="0" y="0"/>
-            <a:ext cx="12191999" cy="6857999"/>
+            <a:ext cx="12192000" cy="6858000"/>
           </a:xfrm>
-          <a:prstGeom prst="rect">
-            <a:avLst/>
-          </a:prstGeom>
-          <a:noFill/>
-          <a:ln>
-            <a:noFill/>
-          </a:ln>
         </p:spPr>
       </p:pic>
     </p:spTree>
@@ -4398,7 +4422,11 @@
           <a:lstStyle/>
           <a:p>
             <a:r>
-              <a:rPr lang="hr-HR" b="1" dirty="0"/>
+              <a:rPr lang="hr-HR" b="1" dirty="0">
+                <a:solidFill>
+                  <a:srgbClr val="0070C0"/>
+                </a:solidFill>
+              </a:rPr>
               <a:t>N-back (testiranje)</a:t>
             </a:r>
           </a:p>
